--- a/Predicting Breast Cancer Diagnosis.pptx
+++ b/Predicting Breast Cancer Diagnosis.pptx
@@ -5,7 +5,7 @@
     <p:sldMasterId id="2147483648" r:id="rId1"/>
   </p:sldMasterIdLst>
   <p:notesMasterIdLst>
-    <p:notesMasterId r:id="rId16"/>
+    <p:notesMasterId r:id="rId17"/>
   </p:notesMasterIdLst>
   <p:sldIdLst>
     <p:sldId id="256" r:id="rId2"/>
@@ -22,6 +22,7 @@
     <p:sldId id="268" r:id="rId13"/>
     <p:sldId id="263" r:id="rId14"/>
     <p:sldId id="267" r:id="rId15"/>
+    <p:sldId id="271" r:id="rId16"/>
   </p:sldIdLst>
   <p:sldSz cx="12192000" cy="6858000"/>
   <p:notesSz cx="6858000" cy="9144000"/>
@@ -120,6 +121,11 @@
       </a:defRPr>
     </a:lvl9pPr>
   </p:defaultTextStyle>
+  <p:extLst>
+    <p:ext uri="{EFAFB233-063F-42B5-8137-9DF3F51BA10A}">
+      <p15:sldGuideLst xmlns:p15="http://schemas.microsoft.com/office/powerpoint/2012/main"/>
+    </p:ext>
+  </p:extLst>
 </p:presentation>
 </file>
 
@@ -205,7 +211,7 @@
           <a:p>
             <a:fld id="{E5A4AE57-59F3-48A4-AC1D-104A40639150}" type="datetimeFigureOut">
               <a:rPr lang="en-US" smtClean="0"/>
-              <a:t>9/15/2020</a:t>
+              <a:t>9/17/2020</a:t>
             </a:fld>
             <a:endParaRPr lang="en-US"/>
           </a:p>
@@ -1506,7 +1512,7 @@
           <a:p>
             <a:fld id="{3926AA01-1CCA-4B0B-87E8-B3C01B2A8272}" type="datetimeFigureOut">
               <a:rPr lang="en-US" smtClean="0"/>
-              <a:t>9/15/2020</a:t>
+              <a:t>9/17/2020</a:t>
             </a:fld>
             <a:endParaRPr lang="en-US"/>
           </a:p>
@@ -1704,7 +1710,7 @@
           <a:p>
             <a:fld id="{3926AA01-1CCA-4B0B-87E8-B3C01B2A8272}" type="datetimeFigureOut">
               <a:rPr lang="en-US" smtClean="0"/>
-              <a:t>9/15/2020</a:t>
+              <a:t>9/17/2020</a:t>
             </a:fld>
             <a:endParaRPr lang="en-US"/>
           </a:p>
@@ -1912,7 +1918,7 @@
           <a:p>
             <a:fld id="{3926AA01-1CCA-4B0B-87E8-B3C01B2A8272}" type="datetimeFigureOut">
               <a:rPr lang="en-US" smtClean="0"/>
-              <a:t>9/15/2020</a:t>
+              <a:t>9/17/2020</a:t>
             </a:fld>
             <a:endParaRPr lang="en-US"/>
           </a:p>
@@ -2110,7 +2116,7 @@
           <a:p>
             <a:fld id="{3926AA01-1CCA-4B0B-87E8-B3C01B2A8272}" type="datetimeFigureOut">
               <a:rPr lang="en-US" smtClean="0"/>
-              <a:t>9/15/2020</a:t>
+              <a:t>9/17/2020</a:t>
             </a:fld>
             <a:endParaRPr lang="en-US"/>
           </a:p>
@@ -2385,7 +2391,7 @@
           <a:p>
             <a:fld id="{3926AA01-1CCA-4B0B-87E8-B3C01B2A8272}" type="datetimeFigureOut">
               <a:rPr lang="en-US" smtClean="0"/>
-              <a:t>9/15/2020</a:t>
+              <a:t>9/17/2020</a:t>
             </a:fld>
             <a:endParaRPr lang="en-US"/>
           </a:p>
@@ -2650,7 +2656,7 @@
           <a:p>
             <a:fld id="{3926AA01-1CCA-4B0B-87E8-B3C01B2A8272}" type="datetimeFigureOut">
               <a:rPr lang="en-US" smtClean="0"/>
-              <a:t>9/15/2020</a:t>
+              <a:t>9/17/2020</a:t>
             </a:fld>
             <a:endParaRPr lang="en-US"/>
           </a:p>
@@ -3062,7 +3068,7 @@
           <a:p>
             <a:fld id="{3926AA01-1CCA-4B0B-87E8-B3C01B2A8272}" type="datetimeFigureOut">
               <a:rPr lang="en-US" smtClean="0"/>
-              <a:t>9/15/2020</a:t>
+              <a:t>9/17/2020</a:t>
             </a:fld>
             <a:endParaRPr lang="en-US"/>
           </a:p>
@@ -3203,7 +3209,7 @@
           <a:p>
             <a:fld id="{3926AA01-1CCA-4B0B-87E8-B3C01B2A8272}" type="datetimeFigureOut">
               <a:rPr lang="en-US" smtClean="0"/>
-              <a:t>9/15/2020</a:t>
+              <a:t>9/17/2020</a:t>
             </a:fld>
             <a:endParaRPr lang="en-US"/>
           </a:p>
@@ -3316,7 +3322,7 @@
           <a:p>
             <a:fld id="{3926AA01-1CCA-4B0B-87E8-B3C01B2A8272}" type="datetimeFigureOut">
               <a:rPr lang="en-US" smtClean="0"/>
-              <a:t>9/15/2020</a:t>
+              <a:t>9/17/2020</a:t>
             </a:fld>
             <a:endParaRPr lang="en-US"/>
           </a:p>
@@ -3627,7 +3633,7 @@
           <a:p>
             <a:fld id="{3926AA01-1CCA-4B0B-87E8-B3C01B2A8272}" type="datetimeFigureOut">
               <a:rPr lang="en-US" smtClean="0"/>
-              <a:t>9/15/2020</a:t>
+              <a:t>9/17/2020</a:t>
             </a:fld>
             <a:endParaRPr lang="en-US"/>
           </a:p>
@@ -3915,7 +3921,7 @@
           <a:p>
             <a:fld id="{3926AA01-1CCA-4B0B-87E8-B3C01B2A8272}" type="datetimeFigureOut">
               <a:rPr lang="en-US" smtClean="0"/>
-              <a:t>9/15/2020</a:t>
+              <a:t>9/17/2020</a:t>
             </a:fld>
             <a:endParaRPr lang="en-US"/>
           </a:p>
@@ -4156,7 +4162,7 @@
           <a:p>
             <a:fld id="{3926AA01-1CCA-4B0B-87E8-B3C01B2A8272}" type="datetimeFigureOut">
               <a:rPr lang="en-US" smtClean="0"/>
-              <a:t>9/15/2020</a:t>
+              <a:t>9/17/2020</a:t>
             </a:fld>
             <a:endParaRPr lang="en-US"/>
           </a:p>
@@ -4595,8 +4601,12 @@
           <a:lstStyle/>
           <a:p>
             <a:r>
+              <a:rPr lang="en-US" dirty="0" err="1"/>
+              <a:t>XGBoost</a:t>
+            </a:r>
+            <a:r>
               <a:rPr lang="en-US" dirty="0"/>
-              <a:t>Predicting Breast Cancer Diagnosis</a:t>
+              <a:t> Most Favorable for Breast Cancer Diagnosis</a:t>
             </a:r>
           </a:p>
         </p:txBody>
@@ -4856,7 +4866,7 @@
           <a:p>
             <a:r>
               <a:rPr lang="en-US" dirty="0"/>
-              <a:t>K Nearest Neighbors (KNN)</a:t>
+              <a:t>K Nearest Neighbors (KNN): Good accuracy, poor recall</a:t>
             </a:r>
           </a:p>
         </p:txBody>
@@ -5190,7 +5200,7 @@
           <a:p>
             <a:r>
               <a:rPr lang="en-US" dirty="0"/>
-              <a:t>KNN  </a:t>
+              <a:t>KNN can still be useful </a:t>
             </a:r>
           </a:p>
         </p:txBody>
@@ -5864,7 +5874,7 @@
                                 </p:cTn>
                               </p:par>
                               <p:par>
-                                <p:cTn id="17" presetID="1" presetClass="entr" presetSubtype="0" fill="hold" grpId="0" nodeType="withEffect">
+                                <p:cTn id="17" presetID="10" presetClass="entr" presetSubtype="0" fill="hold" grpId="0" nodeType="withEffect">
                                   <p:stCondLst>
                                     <p:cond delay="0"/>
                                   </p:stCondLst>
@@ -5872,6 +5882,41 @@
                                     <p:set>
                                       <p:cBhvr>
                                         <p:cTn id="18" dur="1" fill="hold">
+                                          <p:stCondLst>
+                                            <p:cond delay="0"/>
+                                          </p:stCondLst>
+                                        </p:cTn>
+                                        <p:tgtEl>
+                                          <p:spTgt spid="6"/>
+                                        </p:tgtEl>
+                                        <p:attrNameLst>
+                                          <p:attrName>style.visibility</p:attrName>
+                                        </p:attrNameLst>
+                                      </p:cBhvr>
+                                      <p:to>
+                                        <p:strVal val="visible"/>
+                                      </p:to>
+                                    </p:set>
+                                    <p:animEffect transition="in" filter="fade">
+                                      <p:cBhvr>
+                                        <p:cTn id="19" dur="500"/>
+                                        <p:tgtEl>
+                                          <p:spTgt spid="6"/>
+                                        </p:tgtEl>
+                                      </p:cBhvr>
+                                    </p:animEffect>
+                                  </p:childTnLst>
+                                </p:cTn>
+                              </p:par>
+                              <p:par>
+                                <p:cTn id="20" presetID="1" presetClass="entr" presetSubtype="0" fill="hold" grpId="0" nodeType="withEffect">
+                                  <p:stCondLst>
+                                    <p:cond delay="0"/>
+                                  </p:stCondLst>
+                                  <p:childTnLst>
+                                    <p:set>
+                                      <p:cBhvr>
+                                        <p:cTn id="21" dur="1" fill="hold">
                                           <p:stCondLst>
                                             <p:cond delay="0"/>
                                           </p:stCondLst>
@@ -5891,14 +5936,14 @@
                                 </p:cTn>
                               </p:par>
                               <p:par>
-                                <p:cTn id="19" presetID="1" presetClass="entr" presetSubtype="0" fill="hold" nodeType="withEffect">
+                                <p:cTn id="22" presetID="1" presetClass="entr" presetSubtype="0" fill="hold" nodeType="withEffect">
                                   <p:stCondLst>
                                     <p:cond delay="0"/>
                                   </p:stCondLst>
                                   <p:childTnLst>
                                     <p:set>
                                       <p:cBhvr>
-                                        <p:cTn id="20" dur="1" fill="hold">
+                                        <p:cTn id="23" dur="1" fill="hold">
                                           <p:stCondLst>
                                             <p:cond delay="0"/>
                                           </p:stCondLst>
@@ -5924,26 +5969,26 @@
                     </p:cTn>
                   </p:par>
                   <p:par>
-                    <p:cTn id="21" fill="hold">
+                    <p:cTn id="24" fill="hold">
                       <p:stCondLst>
                         <p:cond delay="indefinite"/>
                       </p:stCondLst>
                       <p:childTnLst>
                         <p:par>
-                          <p:cTn id="22" fill="hold">
+                          <p:cTn id="25" fill="hold">
                             <p:stCondLst>
                               <p:cond delay="0"/>
                             </p:stCondLst>
                             <p:childTnLst>
                               <p:par>
-                                <p:cTn id="23" presetID="10" presetClass="entr" presetSubtype="0" fill="hold" nodeType="clickEffect">
+                                <p:cTn id="26" presetID="10" presetClass="entr" presetSubtype="0" fill="hold" nodeType="clickEffect">
                                   <p:stCondLst>
                                     <p:cond delay="0"/>
                                   </p:stCondLst>
                                   <p:childTnLst>
                                     <p:set>
                                       <p:cBhvr>
-                                        <p:cTn id="24" dur="1" fill="hold">
+                                        <p:cTn id="27" dur="1" fill="hold">
                                           <p:stCondLst>
                                             <p:cond delay="0"/>
                                           </p:stCondLst>
@@ -5965,7 +6010,7 @@
                                     </p:set>
                                     <p:animEffect transition="in" filter="fade">
                                       <p:cBhvr>
-                                        <p:cTn id="25" dur="500"/>
+                                        <p:cTn id="28" dur="500"/>
                                         <p:tgtEl>
                                           <p:spTgt spid="3">
                                             <p:txEl>
@@ -5979,14 +6024,14 @@
                                 </p:cTn>
                               </p:par>
                               <p:par>
-                                <p:cTn id="26" presetID="10" presetClass="entr" presetSubtype="0" fill="hold" nodeType="withEffect">
+                                <p:cTn id="29" presetID="10" presetClass="entr" presetSubtype="0" fill="hold" nodeType="withEffect">
                                   <p:stCondLst>
                                     <p:cond delay="0"/>
                                   </p:stCondLst>
                                   <p:childTnLst>
                                     <p:set>
                                       <p:cBhvr>
-                                        <p:cTn id="27" dur="1" fill="hold">
+                                        <p:cTn id="30" dur="1" fill="hold">
                                           <p:stCondLst>
                                             <p:cond delay="0"/>
                                           </p:stCondLst>
@@ -6008,7 +6053,7 @@
                                     </p:set>
                                     <p:animEffect transition="in" filter="fade">
                                       <p:cBhvr>
-                                        <p:cTn id="28" dur="500"/>
+                                        <p:cTn id="31" dur="500"/>
                                         <p:tgtEl>
                                           <p:spTgt spid="3">
                                             <p:txEl>
@@ -6028,26 +6073,26 @@
                     </p:cTn>
                   </p:par>
                   <p:par>
-                    <p:cTn id="29" fill="hold">
+                    <p:cTn id="32" fill="hold">
                       <p:stCondLst>
                         <p:cond delay="indefinite"/>
                       </p:stCondLst>
                       <p:childTnLst>
                         <p:par>
-                          <p:cTn id="30" fill="hold">
+                          <p:cTn id="33" fill="hold">
                             <p:stCondLst>
                               <p:cond delay="0"/>
                             </p:stCondLst>
                             <p:childTnLst>
                               <p:par>
-                                <p:cTn id="31" presetID="10" presetClass="entr" presetSubtype="0" fill="hold" nodeType="clickEffect">
+                                <p:cTn id="34" presetID="10" presetClass="entr" presetSubtype="0" fill="hold" nodeType="clickEffect">
                                   <p:stCondLst>
                                     <p:cond delay="0"/>
                                   </p:stCondLst>
                                   <p:childTnLst>
                                     <p:set>
                                       <p:cBhvr>
-                                        <p:cTn id="32" dur="1" fill="hold">
+                                        <p:cTn id="35" dur="1" fill="hold">
                                           <p:stCondLst>
                                             <p:cond delay="0"/>
                                           </p:stCondLst>
@@ -6069,54 +6114,11 @@
                                     </p:set>
                                     <p:animEffect transition="in" filter="fade">
                                       <p:cBhvr>
-                                        <p:cTn id="33" dur="500"/>
+                                        <p:cTn id="36" dur="500"/>
                                         <p:tgtEl>
                                           <p:spTgt spid="3">
                                             <p:txEl>
                                               <p:pRg st="6" end="6"/>
-                                            </p:txEl>
-                                          </p:spTgt>
-                                        </p:tgtEl>
-                                      </p:cBhvr>
-                                    </p:animEffect>
-                                  </p:childTnLst>
-                                </p:cTn>
-                              </p:par>
-                              <p:par>
-                                <p:cTn id="34" presetID="10" presetClass="entr" presetSubtype="0" fill="hold" nodeType="withEffect">
-                                  <p:stCondLst>
-                                    <p:cond delay="0"/>
-                                  </p:stCondLst>
-                                  <p:childTnLst>
-                                    <p:set>
-                                      <p:cBhvr>
-                                        <p:cTn id="35" dur="1" fill="hold">
-                                          <p:stCondLst>
-                                            <p:cond delay="0"/>
-                                          </p:stCondLst>
-                                        </p:cTn>
-                                        <p:tgtEl>
-                                          <p:spTgt spid="3">
-                                            <p:txEl>
-                                              <p:pRg st="7" end="7"/>
-                                            </p:txEl>
-                                          </p:spTgt>
-                                        </p:tgtEl>
-                                        <p:attrNameLst>
-                                          <p:attrName>style.visibility</p:attrName>
-                                        </p:attrNameLst>
-                                      </p:cBhvr>
-                                      <p:to>
-                                        <p:strVal val="visible"/>
-                                      </p:to>
-                                    </p:set>
-                                    <p:animEffect transition="in" filter="fade">
-                                      <p:cBhvr>
-                                        <p:cTn id="36" dur="500"/>
-                                        <p:tgtEl>
-                                          <p:spTgt spid="3">
-                                            <p:txEl>
-                                              <p:pRg st="7" end="7"/>
                                             </p:txEl>
                                           </p:spTgt>
                                         </p:tgtEl>
@@ -6141,7 +6143,7 @@
                                         <p:tgtEl>
                                           <p:spTgt spid="3">
                                             <p:txEl>
-                                              <p:pRg st="8" end="8"/>
+                                              <p:pRg st="7" end="7"/>
                                             </p:txEl>
                                           </p:spTgt>
                                         </p:tgtEl>
@@ -6159,7 +6161,7 @@
                                         <p:tgtEl>
                                           <p:spTgt spid="3">
                                             <p:txEl>
-                                              <p:pRg st="8" end="8"/>
+                                              <p:pRg st="7" end="7"/>
                                             </p:txEl>
                                           </p:spTgt>
                                         </p:tgtEl>
@@ -6184,6 +6186,49 @@
                                         <p:tgtEl>
                                           <p:spTgt spid="3">
                                             <p:txEl>
+                                              <p:pRg st="8" end="8"/>
+                                            </p:txEl>
+                                          </p:spTgt>
+                                        </p:tgtEl>
+                                        <p:attrNameLst>
+                                          <p:attrName>style.visibility</p:attrName>
+                                        </p:attrNameLst>
+                                      </p:cBhvr>
+                                      <p:to>
+                                        <p:strVal val="visible"/>
+                                      </p:to>
+                                    </p:set>
+                                    <p:animEffect transition="in" filter="fade">
+                                      <p:cBhvr>
+                                        <p:cTn id="42" dur="500"/>
+                                        <p:tgtEl>
+                                          <p:spTgt spid="3">
+                                            <p:txEl>
+                                              <p:pRg st="8" end="8"/>
+                                            </p:txEl>
+                                          </p:spTgt>
+                                        </p:tgtEl>
+                                      </p:cBhvr>
+                                    </p:animEffect>
+                                  </p:childTnLst>
+                                </p:cTn>
+                              </p:par>
+                              <p:par>
+                                <p:cTn id="43" presetID="10" presetClass="entr" presetSubtype="0" fill="hold" nodeType="withEffect">
+                                  <p:stCondLst>
+                                    <p:cond delay="0"/>
+                                  </p:stCondLst>
+                                  <p:childTnLst>
+                                    <p:set>
+                                      <p:cBhvr>
+                                        <p:cTn id="44" dur="1" fill="hold">
+                                          <p:stCondLst>
+                                            <p:cond delay="0"/>
+                                          </p:stCondLst>
+                                        </p:cTn>
+                                        <p:tgtEl>
+                                          <p:spTgt spid="3">
+                                            <p:txEl>
                                               <p:pRg st="9" end="9"/>
                                             </p:txEl>
                                           </p:spTgt>
@@ -6198,7 +6243,7 @@
                                     </p:set>
                                     <p:animEffect transition="in" filter="fade">
                                       <p:cBhvr>
-                                        <p:cTn id="42" dur="500"/>
+                                        <p:cTn id="45" dur="500"/>
                                         <p:tgtEl>
                                           <p:spTgt spid="3">
                                             <p:txEl>
@@ -6239,6 +6284,7 @@
       </p:par>
     </p:tnLst>
     <p:bldLst>
+      <p:bldP spid="6" grpId="0" animBg="1"/>
       <p:bldP spid="8" grpId="0" animBg="1"/>
       <p:bldP spid="9" grpId="0" animBg="1"/>
       <p:bldP spid="11" grpId="0" animBg="1"/>
@@ -6713,6 +6759,778 @@
       </p:par>
     </p:tnLst>
   </p:timing>
+</p:sld>
+</file>
+
+<file path=ppt/slides/slide15.xml><?xml version="1.0" encoding="utf-8"?>
+<p:sld xmlns:a="http://schemas.openxmlformats.org/drawingml/2006/main" xmlns:r="http://schemas.openxmlformats.org/officeDocument/2006/relationships" xmlns:p="http://schemas.openxmlformats.org/presentationml/2006/main">
+  <p:cSld>
+    <p:spTree>
+      <p:nvGrpSpPr>
+        <p:cNvPr id="1" name=""/>
+        <p:cNvGrpSpPr/>
+        <p:nvPr/>
+      </p:nvGrpSpPr>
+      <p:grpSpPr>
+        <a:xfrm>
+          <a:off x="0" y="0"/>
+          <a:ext cx="0" cy="0"/>
+          <a:chOff x="0" y="0"/>
+          <a:chExt cx="0" cy="0"/>
+        </a:xfrm>
+      </p:grpSpPr>
+      <p:sp>
+        <p:nvSpPr>
+          <p:cNvPr id="2" name="Title 1">
+            <a:extLst>
+              <a:ext uri="{FF2B5EF4-FFF2-40B4-BE49-F238E27FC236}">
+                <a16:creationId xmlns:a16="http://schemas.microsoft.com/office/drawing/2014/main" id="{47787888-DE25-45F2-8CF3-DB1FEAA9FE8F}"/>
+              </a:ext>
+            </a:extLst>
+          </p:cNvPr>
+          <p:cNvSpPr>
+            <a:spLocks noGrp="1"/>
+          </p:cNvSpPr>
+          <p:nvPr>
+            <p:ph type="title"/>
+          </p:nvPr>
+        </p:nvSpPr>
+        <p:spPr/>
+        <p:txBody>
+          <a:bodyPr/>
+          <a:lstStyle/>
+          <a:p>
+            <a:r>
+              <a:rPr lang="en-US" dirty="0"/>
+              <a:t>An ensemble method could be even better</a:t>
+            </a:r>
+          </a:p>
+        </p:txBody>
+      </p:sp>
+      <p:sp>
+        <p:nvSpPr>
+          <p:cNvPr id="4" name="TextBox 3">
+            <a:extLst>
+              <a:ext uri="{FF2B5EF4-FFF2-40B4-BE49-F238E27FC236}">
+                <a16:creationId xmlns:a16="http://schemas.microsoft.com/office/drawing/2014/main" id="{7C626FAF-C567-496E-8C63-E082271EAD3E}"/>
+              </a:ext>
+            </a:extLst>
+          </p:cNvPr>
+          <p:cNvSpPr txBox="1"/>
+          <p:nvPr/>
+        </p:nvSpPr>
+        <p:spPr>
+          <a:xfrm>
+            <a:off x="461168" y="3898242"/>
+            <a:ext cx="3071674" cy="707886"/>
+          </a:xfrm>
+          <a:prstGeom prst="rect">
+            <a:avLst/>
+          </a:prstGeom>
+        </p:spPr>
+        <p:style>
+          <a:lnRef idx="2">
+            <a:schemeClr val="accent1"/>
+          </a:lnRef>
+          <a:fillRef idx="1">
+            <a:schemeClr val="lt1"/>
+          </a:fillRef>
+          <a:effectRef idx="0">
+            <a:schemeClr val="accent1"/>
+          </a:effectRef>
+          <a:fontRef idx="minor">
+            <a:schemeClr val="dk1"/>
+          </a:fontRef>
+        </p:style>
+        <p:txBody>
+          <a:bodyPr wrap="square" rtlCol="0">
+            <a:spAutoFit/>
+          </a:bodyPr>
+          <a:lstStyle/>
+          <a:p>
+            <a:pPr algn="ctr"/>
+            <a:r>
+              <a:rPr lang="en-US" sz="4000" dirty="0" err="1"/>
+              <a:t>XGBClassifier</a:t>
+            </a:r>
+            <a:endParaRPr lang="en-US" sz="2800" dirty="0"/>
+          </a:p>
+        </p:txBody>
+      </p:sp>
+      <p:sp>
+        <p:nvSpPr>
+          <p:cNvPr id="5" name="TextBox 4">
+            <a:extLst>
+              <a:ext uri="{FF2B5EF4-FFF2-40B4-BE49-F238E27FC236}">
+                <a16:creationId xmlns:a16="http://schemas.microsoft.com/office/drawing/2014/main" id="{A5FFE691-E75C-4B44-83E5-50AA595DCE84}"/>
+              </a:ext>
+            </a:extLst>
+          </p:cNvPr>
+          <p:cNvSpPr txBox="1"/>
+          <p:nvPr/>
+        </p:nvSpPr>
+        <p:spPr>
+          <a:xfrm>
+            <a:off x="905053" y="5723434"/>
+            <a:ext cx="2338661" cy="769441"/>
+          </a:xfrm>
+          <a:prstGeom prst="rect">
+            <a:avLst/>
+          </a:prstGeom>
+        </p:spPr>
+        <p:style>
+          <a:lnRef idx="2">
+            <a:schemeClr val="accent1"/>
+          </a:lnRef>
+          <a:fillRef idx="1">
+            <a:schemeClr val="lt1"/>
+          </a:fillRef>
+          <a:effectRef idx="0">
+            <a:schemeClr val="accent1"/>
+          </a:effectRef>
+          <a:fontRef idx="minor">
+            <a:schemeClr val="dk1"/>
+          </a:fontRef>
+        </p:style>
+        <p:txBody>
+          <a:bodyPr wrap="square" rtlCol="0">
+            <a:spAutoFit/>
+          </a:bodyPr>
+          <a:lstStyle/>
+          <a:p>
+            <a:pPr algn="ctr"/>
+            <a:r>
+              <a:rPr lang="en-US" sz="4400" dirty="0"/>
+              <a:t>“Benign”</a:t>
+            </a:r>
+          </a:p>
+        </p:txBody>
+      </p:sp>
+      <p:sp>
+        <p:nvSpPr>
+          <p:cNvPr id="6" name="Arrow: Down 5">
+            <a:extLst>
+              <a:ext uri="{FF2B5EF4-FFF2-40B4-BE49-F238E27FC236}">
+                <a16:creationId xmlns:a16="http://schemas.microsoft.com/office/drawing/2014/main" id="{C7823643-465F-4EC3-A481-B40C73CEA56C}"/>
+              </a:ext>
+            </a:extLst>
+          </p:cNvPr>
+          <p:cNvSpPr/>
+          <p:nvPr/>
+        </p:nvSpPr>
+        <p:spPr>
+          <a:xfrm>
+            <a:off x="1686284" y="4810838"/>
+            <a:ext cx="550415" cy="707886"/>
+          </a:xfrm>
+          <a:prstGeom prst="downArrow">
+            <a:avLst/>
+          </a:prstGeom>
+        </p:spPr>
+        <p:style>
+          <a:lnRef idx="2">
+            <a:schemeClr val="accent1">
+              <a:shade val="50000"/>
+            </a:schemeClr>
+          </a:lnRef>
+          <a:fillRef idx="1">
+            <a:schemeClr val="accent1"/>
+          </a:fillRef>
+          <a:effectRef idx="0">
+            <a:schemeClr val="accent1"/>
+          </a:effectRef>
+          <a:fontRef idx="minor">
+            <a:schemeClr val="lt1"/>
+          </a:fontRef>
+        </p:style>
+        <p:txBody>
+          <a:bodyPr rtlCol="0" anchor="ctr"/>
+          <a:lstStyle/>
+          <a:p>
+            <a:pPr algn="ctr"/>
+            <a:endParaRPr lang="en-US"/>
+          </a:p>
+        </p:txBody>
+      </p:sp>
+      <p:sp>
+        <p:nvSpPr>
+          <p:cNvPr id="7" name="Arrow: Down 6">
+            <a:extLst>
+              <a:ext uri="{FF2B5EF4-FFF2-40B4-BE49-F238E27FC236}">
+                <a16:creationId xmlns:a16="http://schemas.microsoft.com/office/drawing/2014/main" id="{389FFD43-3128-40F7-89C9-3CAA50ECB152}"/>
+              </a:ext>
+            </a:extLst>
+          </p:cNvPr>
+          <p:cNvSpPr/>
+          <p:nvPr/>
+        </p:nvSpPr>
+        <p:spPr>
+          <a:xfrm>
+            <a:off x="1686284" y="3056661"/>
+            <a:ext cx="550415" cy="707886"/>
+          </a:xfrm>
+          <a:prstGeom prst="downArrow">
+            <a:avLst/>
+          </a:prstGeom>
+        </p:spPr>
+        <p:style>
+          <a:lnRef idx="2">
+            <a:schemeClr val="accent1">
+              <a:shade val="50000"/>
+            </a:schemeClr>
+          </a:lnRef>
+          <a:fillRef idx="1">
+            <a:schemeClr val="accent1"/>
+          </a:fillRef>
+          <a:effectRef idx="0">
+            <a:schemeClr val="accent1"/>
+          </a:effectRef>
+          <a:fontRef idx="minor">
+            <a:schemeClr val="lt1"/>
+          </a:fontRef>
+        </p:style>
+        <p:txBody>
+          <a:bodyPr rtlCol="0" anchor="ctr"/>
+          <a:lstStyle/>
+          <a:p>
+            <a:pPr algn="ctr"/>
+            <a:endParaRPr lang="en-US"/>
+          </a:p>
+        </p:txBody>
+      </p:sp>
+      <p:sp>
+        <p:nvSpPr>
+          <p:cNvPr id="8" name="TextBox 7">
+            <a:extLst>
+              <a:ext uri="{FF2B5EF4-FFF2-40B4-BE49-F238E27FC236}">
+                <a16:creationId xmlns:a16="http://schemas.microsoft.com/office/drawing/2014/main" id="{CCFEF4EB-07C5-46A6-9163-B7D030B81095}"/>
+              </a:ext>
+            </a:extLst>
+          </p:cNvPr>
+          <p:cNvSpPr txBox="1"/>
+          <p:nvPr/>
+        </p:nvSpPr>
+        <p:spPr>
+          <a:xfrm>
+            <a:off x="4320469" y="3898242"/>
+            <a:ext cx="3071674" cy="707886"/>
+          </a:xfrm>
+          <a:prstGeom prst="rect">
+            <a:avLst/>
+          </a:prstGeom>
+        </p:spPr>
+        <p:style>
+          <a:lnRef idx="2">
+            <a:schemeClr val="accent1"/>
+          </a:lnRef>
+          <a:fillRef idx="1">
+            <a:schemeClr val="lt1"/>
+          </a:fillRef>
+          <a:effectRef idx="0">
+            <a:schemeClr val="accent1"/>
+          </a:effectRef>
+          <a:fontRef idx="minor">
+            <a:schemeClr val="dk1"/>
+          </a:fontRef>
+        </p:style>
+        <p:txBody>
+          <a:bodyPr wrap="square" rtlCol="0">
+            <a:spAutoFit/>
+          </a:bodyPr>
+          <a:lstStyle/>
+          <a:p>
+            <a:pPr algn="ctr"/>
+            <a:r>
+              <a:rPr lang="en-US" sz="4000" dirty="0"/>
+              <a:t>Logistic Reg.</a:t>
+            </a:r>
+            <a:endParaRPr lang="en-US" sz="2800" dirty="0"/>
+          </a:p>
+        </p:txBody>
+      </p:sp>
+      <p:sp>
+        <p:nvSpPr>
+          <p:cNvPr id="9" name="TextBox 8">
+            <a:extLst>
+              <a:ext uri="{FF2B5EF4-FFF2-40B4-BE49-F238E27FC236}">
+                <a16:creationId xmlns:a16="http://schemas.microsoft.com/office/drawing/2014/main" id="{53383483-7EFE-4B83-A498-AD5861528D70}"/>
+              </a:ext>
+            </a:extLst>
+          </p:cNvPr>
+          <p:cNvSpPr txBox="1"/>
+          <p:nvPr/>
+        </p:nvSpPr>
+        <p:spPr>
+          <a:xfrm>
+            <a:off x="4550181" y="5723433"/>
+            <a:ext cx="2541221" cy="769441"/>
+          </a:xfrm>
+          <a:prstGeom prst="rect">
+            <a:avLst/>
+          </a:prstGeom>
+        </p:spPr>
+        <p:style>
+          <a:lnRef idx="2">
+            <a:schemeClr val="accent1"/>
+          </a:lnRef>
+          <a:fillRef idx="1">
+            <a:schemeClr val="lt1"/>
+          </a:fillRef>
+          <a:effectRef idx="0">
+            <a:schemeClr val="accent1"/>
+          </a:effectRef>
+          <a:fontRef idx="minor">
+            <a:schemeClr val="dk1"/>
+          </a:fontRef>
+        </p:style>
+        <p:txBody>
+          <a:bodyPr wrap="square" rtlCol="0">
+            <a:spAutoFit/>
+          </a:bodyPr>
+          <a:lstStyle/>
+          <a:p>
+            <a:pPr algn="ctr"/>
+            <a:r>
+              <a:rPr lang="en-US" sz="4400" dirty="0"/>
+              <a:t>“Benign”</a:t>
+            </a:r>
+          </a:p>
+        </p:txBody>
+      </p:sp>
+      <p:sp>
+        <p:nvSpPr>
+          <p:cNvPr id="10" name="Arrow: Down 9">
+            <a:extLst>
+              <a:ext uri="{FF2B5EF4-FFF2-40B4-BE49-F238E27FC236}">
+                <a16:creationId xmlns:a16="http://schemas.microsoft.com/office/drawing/2014/main" id="{42C8B977-2AE6-4694-A0D6-C5616413B05A}"/>
+              </a:ext>
+            </a:extLst>
+          </p:cNvPr>
+          <p:cNvSpPr/>
+          <p:nvPr/>
+        </p:nvSpPr>
+        <p:spPr>
+          <a:xfrm>
+            <a:off x="5545585" y="4810838"/>
+            <a:ext cx="550415" cy="707886"/>
+          </a:xfrm>
+          <a:prstGeom prst="downArrow">
+            <a:avLst/>
+          </a:prstGeom>
+        </p:spPr>
+        <p:style>
+          <a:lnRef idx="2">
+            <a:schemeClr val="accent1">
+              <a:shade val="50000"/>
+            </a:schemeClr>
+          </a:lnRef>
+          <a:fillRef idx="1">
+            <a:schemeClr val="accent1"/>
+          </a:fillRef>
+          <a:effectRef idx="0">
+            <a:schemeClr val="accent1"/>
+          </a:effectRef>
+          <a:fontRef idx="minor">
+            <a:schemeClr val="lt1"/>
+          </a:fontRef>
+        </p:style>
+        <p:txBody>
+          <a:bodyPr rtlCol="0" anchor="ctr"/>
+          <a:lstStyle/>
+          <a:p>
+            <a:pPr algn="ctr"/>
+            <a:endParaRPr lang="en-US"/>
+          </a:p>
+        </p:txBody>
+      </p:sp>
+      <p:sp>
+        <p:nvSpPr>
+          <p:cNvPr id="11" name="Arrow: Down 10">
+            <a:extLst>
+              <a:ext uri="{FF2B5EF4-FFF2-40B4-BE49-F238E27FC236}">
+                <a16:creationId xmlns:a16="http://schemas.microsoft.com/office/drawing/2014/main" id="{8F2756C1-FB4E-4792-828F-ABF3FB083A3C}"/>
+              </a:ext>
+            </a:extLst>
+          </p:cNvPr>
+          <p:cNvSpPr/>
+          <p:nvPr/>
+        </p:nvSpPr>
+        <p:spPr>
+          <a:xfrm>
+            <a:off x="5545585" y="3075057"/>
+            <a:ext cx="550415" cy="707886"/>
+          </a:xfrm>
+          <a:prstGeom prst="downArrow">
+            <a:avLst/>
+          </a:prstGeom>
+        </p:spPr>
+        <p:style>
+          <a:lnRef idx="2">
+            <a:schemeClr val="accent1">
+              <a:shade val="50000"/>
+            </a:schemeClr>
+          </a:lnRef>
+          <a:fillRef idx="1">
+            <a:schemeClr val="accent1"/>
+          </a:fillRef>
+          <a:effectRef idx="0">
+            <a:schemeClr val="accent1"/>
+          </a:effectRef>
+          <a:fontRef idx="minor">
+            <a:schemeClr val="lt1"/>
+          </a:fontRef>
+        </p:style>
+        <p:txBody>
+          <a:bodyPr rtlCol="0" anchor="ctr"/>
+          <a:lstStyle/>
+          <a:p>
+            <a:pPr algn="ctr"/>
+            <a:endParaRPr lang="en-US"/>
+          </a:p>
+        </p:txBody>
+      </p:sp>
+      <p:sp>
+        <p:nvSpPr>
+          <p:cNvPr id="12" name="TextBox 11">
+            <a:extLst>
+              <a:ext uri="{FF2B5EF4-FFF2-40B4-BE49-F238E27FC236}">
+                <a16:creationId xmlns:a16="http://schemas.microsoft.com/office/drawing/2014/main" id="{44176605-173A-4FE5-89CE-982159E14E06}"/>
+              </a:ext>
+            </a:extLst>
+          </p:cNvPr>
+          <p:cNvSpPr txBox="1"/>
+          <p:nvPr/>
+        </p:nvSpPr>
+        <p:spPr>
+          <a:xfrm>
+            <a:off x="7842421" y="3898242"/>
+            <a:ext cx="3071674" cy="707886"/>
+          </a:xfrm>
+          <a:prstGeom prst="rect">
+            <a:avLst/>
+          </a:prstGeom>
+        </p:spPr>
+        <p:style>
+          <a:lnRef idx="2">
+            <a:schemeClr val="accent1"/>
+          </a:lnRef>
+          <a:fillRef idx="1">
+            <a:schemeClr val="lt1"/>
+          </a:fillRef>
+          <a:effectRef idx="0">
+            <a:schemeClr val="accent1"/>
+          </a:effectRef>
+          <a:fontRef idx="minor">
+            <a:schemeClr val="dk1"/>
+          </a:fontRef>
+        </p:style>
+        <p:txBody>
+          <a:bodyPr wrap="square" rtlCol="0">
+            <a:spAutoFit/>
+          </a:bodyPr>
+          <a:lstStyle/>
+          <a:p>
+            <a:pPr algn="ctr"/>
+            <a:r>
+              <a:rPr lang="en-US" sz="4000" dirty="0"/>
+              <a:t>KNN</a:t>
+            </a:r>
+            <a:endParaRPr lang="en-US" sz="2800" dirty="0"/>
+          </a:p>
+        </p:txBody>
+      </p:sp>
+      <p:sp>
+        <p:nvSpPr>
+          <p:cNvPr id="13" name="TextBox 12">
+            <a:extLst>
+              <a:ext uri="{FF2B5EF4-FFF2-40B4-BE49-F238E27FC236}">
+                <a16:creationId xmlns:a16="http://schemas.microsoft.com/office/drawing/2014/main" id="{212D1E91-AC0A-4ACF-B4A0-AC416B9A7E44}"/>
+              </a:ext>
+            </a:extLst>
+          </p:cNvPr>
+          <p:cNvSpPr txBox="1"/>
+          <p:nvPr/>
+        </p:nvSpPr>
+        <p:spPr>
+          <a:xfrm>
+            <a:off x="7808997" y="5723433"/>
+            <a:ext cx="3067494" cy="769441"/>
+          </a:xfrm>
+          <a:prstGeom prst="rect">
+            <a:avLst/>
+          </a:prstGeom>
+        </p:spPr>
+        <p:style>
+          <a:lnRef idx="2">
+            <a:schemeClr val="accent1"/>
+          </a:lnRef>
+          <a:fillRef idx="1">
+            <a:schemeClr val="lt1"/>
+          </a:fillRef>
+          <a:effectRef idx="0">
+            <a:schemeClr val="accent1"/>
+          </a:effectRef>
+          <a:fontRef idx="minor">
+            <a:schemeClr val="dk1"/>
+          </a:fontRef>
+        </p:style>
+        <p:txBody>
+          <a:bodyPr wrap="square" rtlCol="0">
+            <a:spAutoFit/>
+          </a:bodyPr>
+          <a:lstStyle/>
+          <a:p>
+            <a:pPr algn="ctr"/>
+            <a:r>
+              <a:rPr lang="en-US" sz="4400" dirty="0"/>
+              <a:t>“Malignant”</a:t>
+            </a:r>
+          </a:p>
+        </p:txBody>
+      </p:sp>
+      <p:sp>
+        <p:nvSpPr>
+          <p:cNvPr id="14" name="Arrow: Down 13">
+            <a:extLst>
+              <a:ext uri="{FF2B5EF4-FFF2-40B4-BE49-F238E27FC236}">
+                <a16:creationId xmlns:a16="http://schemas.microsoft.com/office/drawing/2014/main" id="{D5C91715-797C-4D64-BABA-4025F7C15712}"/>
+              </a:ext>
+            </a:extLst>
+          </p:cNvPr>
+          <p:cNvSpPr/>
+          <p:nvPr/>
+        </p:nvSpPr>
+        <p:spPr>
+          <a:xfrm>
+            <a:off x="9067537" y="4810838"/>
+            <a:ext cx="550415" cy="707886"/>
+          </a:xfrm>
+          <a:prstGeom prst="downArrow">
+            <a:avLst/>
+          </a:prstGeom>
+        </p:spPr>
+        <p:style>
+          <a:lnRef idx="2">
+            <a:schemeClr val="accent1">
+              <a:shade val="50000"/>
+            </a:schemeClr>
+          </a:lnRef>
+          <a:fillRef idx="1">
+            <a:schemeClr val="accent1"/>
+          </a:fillRef>
+          <a:effectRef idx="0">
+            <a:schemeClr val="accent1"/>
+          </a:effectRef>
+          <a:fontRef idx="minor">
+            <a:schemeClr val="lt1"/>
+          </a:fontRef>
+        </p:style>
+        <p:txBody>
+          <a:bodyPr rtlCol="0" anchor="ctr"/>
+          <a:lstStyle/>
+          <a:p>
+            <a:pPr algn="ctr"/>
+            <a:endParaRPr lang="en-US"/>
+          </a:p>
+        </p:txBody>
+      </p:sp>
+      <p:sp>
+        <p:nvSpPr>
+          <p:cNvPr id="15" name="Arrow: Down 14">
+            <a:extLst>
+              <a:ext uri="{FF2B5EF4-FFF2-40B4-BE49-F238E27FC236}">
+                <a16:creationId xmlns:a16="http://schemas.microsoft.com/office/drawing/2014/main" id="{27C2685E-DF8D-44D7-B36E-830233B24977}"/>
+              </a:ext>
+            </a:extLst>
+          </p:cNvPr>
+          <p:cNvSpPr/>
+          <p:nvPr/>
+        </p:nvSpPr>
+        <p:spPr>
+          <a:xfrm>
+            <a:off x="9103049" y="3075057"/>
+            <a:ext cx="550415" cy="707886"/>
+          </a:xfrm>
+          <a:prstGeom prst="downArrow">
+            <a:avLst/>
+          </a:prstGeom>
+        </p:spPr>
+        <p:style>
+          <a:lnRef idx="2">
+            <a:schemeClr val="accent1">
+              <a:shade val="50000"/>
+            </a:schemeClr>
+          </a:lnRef>
+          <a:fillRef idx="1">
+            <a:schemeClr val="accent1"/>
+          </a:fillRef>
+          <a:effectRef idx="0">
+            <a:schemeClr val="accent1"/>
+          </a:effectRef>
+          <a:fontRef idx="minor">
+            <a:schemeClr val="lt1"/>
+          </a:fontRef>
+        </p:style>
+        <p:txBody>
+          <a:bodyPr rtlCol="0" anchor="ctr"/>
+          <a:lstStyle/>
+          <a:p>
+            <a:pPr algn="ctr"/>
+            <a:endParaRPr lang="en-US"/>
+          </a:p>
+        </p:txBody>
+      </p:sp>
+      <p:pic>
+        <p:nvPicPr>
+          <p:cNvPr id="16" name="Picture 4">
+            <a:extLst>
+              <a:ext uri="{FF2B5EF4-FFF2-40B4-BE49-F238E27FC236}">
+                <a16:creationId xmlns:a16="http://schemas.microsoft.com/office/drawing/2014/main" id="{44CA914C-B5DD-4066-A7E2-548489B9F5B3}"/>
+              </a:ext>
+            </a:extLst>
+          </p:cNvPr>
+          <p:cNvPicPr>
+            <a:picLocks noChangeAspect="1" noChangeArrowheads="1"/>
+          </p:cNvPicPr>
+          <p:nvPr/>
+        </p:nvPicPr>
+        <p:blipFill>
+          <a:blip r:embed="rId2">
+            <a:extLst>
+              <a:ext uri="{28A0092B-C50C-407E-A947-70E740481C1C}">
+                <a14:useLocalDpi xmlns:a14="http://schemas.microsoft.com/office/drawing/2010/main" val="0"/>
+              </a:ext>
+            </a:extLst>
+          </a:blip>
+          <a:srcRect/>
+          <a:stretch>
+            <a:fillRect/>
+          </a:stretch>
+        </p:blipFill>
+        <p:spPr bwMode="auto">
+          <a:xfrm>
+            <a:off x="8353440" y="1346128"/>
+            <a:ext cx="2049635" cy="1544058"/>
+          </a:xfrm>
+          <a:prstGeom prst="rect">
+            <a:avLst/>
+          </a:prstGeom>
+          <a:noFill/>
+          <a:extLst>
+            <a:ext uri="{909E8E84-426E-40DD-AFC4-6F175D3DCCD1}">
+              <a14:hiddenFill xmlns:a14="http://schemas.microsoft.com/office/drawing/2010/main">
+                <a:solidFill>
+                  <a:srgbClr val="FFFFFF"/>
+                </a:solidFill>
+              </a14:hiddenFill>
+            </a:ext>
+          </a:extLst>
+        </p:spPr>
+      </p:pic>
+      <p:pic>
+        <p:nvPicPr>
+          <p:cNvPr id="17" name="Picture 4">
+            <a:extLst>
+              <a:ext uri="{FF2B5EF4-FFF2-40B4-BE49-F238E27FC236}">
+                <a16:creationId xmlns:a16="http://schemas.microsoft.com/office/drawing/2014/main" id="{B5E1649F-0E23-44C6-B2F3-2B5898861937}"/>
+              </a:ext>
+            </a:extLst>
+          </p:cNvPr>
+          <p:cNvPicPr>
+            <a:picLocks noChangeAspect="1" noChangeArrowheads="1"/>
+          </p:cNvPicPr>
+          <p:nvPr/>
+        </p:nvPicPr>
+        <p:blipFill>
+          <a:blip r:embed="rId2">
+            <a:extLst>
+              <a:ext uri="{28A0092B-C50C-407E-A947-70E740481C1C}">
+                <a14:useLocalDpi xmlns:a14="http://schemas.microsoft.com/office/drawing/2010/main" val="0"/>
+              </a:ext>
+            </a:extLst>
+          </a:blip>
+          <a:srcRect/>
+          <a:stretch>
+            <a:fillRect/>
+          </a:stretch>
+        </p:blipFill>
+        <p:spPr bwMode="auto">
+          <a:xfrm>
+            <a:off x="4831488" y="1346128"/>
+            <a:ext cx="2049635" cy="1544058"/>
+          </a:xfrm>
+          <a:prstGeom prst="rect">
+            <a:avLst/>
+          </a:prstGeom>
+          <a:noFill/>
+          <a:extLst>
+            <a:ext uri="{909E8E84-426E-40DD-AFC4-6F175D3DCCD1}">
+              <a14:hiddenFill xmlns:a14="http://schemas.microsoft.com/office/drawing/2010/main">
+                <a:solidFill>
+                  <a:srgbClr val="FFFFFF"/>
+                </a:solidFill>
+              </a14:hiddenFill>
+            </a:ext>
+          </a:extLst>
+        </p:spPr>
+      </p:pic>
+      <p:pic>
+        <p:nvPicPr>
+          <p:cNvPr id="18" name="Picture 4">
+            <a:extLst>
+              <a:ext uri="{FF2B5EF4-FFF2-40B4-BE49-F238E27FC236}">
+                <a16:creationId xmlns:a16="http://schemas.microsoft.com/office/drawing/2014/main" id="{576344B2-C673-4F06-9ECE-6B5D6A9D6232}"/>
+              </a:ext>
+            </a:extLst>
+          </p:cNvPr>
+          <p:cNvPicPr>
+            <a:picLocks noChangeAspect="1" noChangeArrowheads="1"/>
+          </p:cNvPicPr>
+          <p:nvPr/>
+        </p:nvPicPr>
+        <p:blipFill>
+          <a:blip r:embed="rId2">
+            <a:extLst>
+              <a:ext uri="{28A0092B-C50C-407E-A947-70E740481C1C}">
+                <a14:useLocalDpi xmlns:a14="http://schemas.microsoft.com/office/drawing/2010/main" val="0"/>
+              </a:ext>
+            </a:extLst>
+          </a:blip>
+          <a:srcRect/>
+          <a:stretch>
+            <a:fillRect/>
+          </a:stretch>
+        </p:blipFill>
+        <p:spPr bwMode="auto">
+          <a:xfrm>
+            <a:off x="972187" y="1378908"/>
+            <a:ext cx="2049635" cy="1544058"/>
+          </a:xfrm>
+          <a:prstGeom prst="rect">
+            <a:avLst/>
+          </a:prstGeom>
+          <a:noFill/>
+          <a:extLst>
+            <a:ext uri="{909E8E84-426E-40DD-AFC4-6F175D3DCCD1}">
+              <a14:hiddenFill xmlns:a14="http://schemas.microsoft.com/office/drawing/2010/main">
+                <a:solidFill>
+                  <a:srgbClr val="FFFFFF"/>
+                </a:solidFill>
+              </a14:hiddenFill>
+            </a:ext>
+          </a:extLst>
+        </p:spPr>
+      </p:pic>
+    </p:spTree>
+    <p:extLst>
+      <p:ext uri="{BB962C8B-B14F-4D97-AF65-F5344CB8AC3E}">
+        <p14:creationId xmlns:p14="http://schemas.microsoft.com/office/powerpoint/2010/main" val="1803719790"/>
+      </p:ext>
+    </p:extLst>
+  </p:cSld>
+  <p:clrMapOvr>
+    <a:masterClrMapping/>
+  </p:clrMapOvr>
 </p:sld>
 </file>
 

--- a/Predicting Breast Cancer Diagnosis.pptx
+++ b/Predicting Breast Cancer Diagnosis.pptx
@@ -4601,12 +4601,12 @@
           <a:lstStyle/>
           <a:p>
             <a:r>
-              <a:rPr lang="en-US" dirty="0" err="1"/>
-              <a:t>XGBoost</a:t>
+              <a:rPr lang="en-US"/>
+              <a:t>XGBClassifier </a:t>
             </a:r>
             <a:r>
               <a:rPr lang="en-US" dirty="0"/>
-              <a:t> Most Favorable for Breast Cancer Diagnosis</a:t>
+              <a:t>Most Favorable for Breast Cancer Diagnosis</a:t>
             </a:r>
           </a:p>
         </p:txBody>

--- a/Predicting Breast Cancer Diagnosis.pptx
+++ b/Predicting Breast Cancer Diagnosis.pptx
@@ -211,7 +211,7 @@
           <a:p>
             <a:fld id="{E5A4AE57-59F3-48A4-AC1D-104A40639150}" type="datetimeFigureOut">
               <a:rPr lang="en-US" smtClean="0"/>
-              <a:t>9/17/2020</a:t>
+              <a:t>9/21/2020</a:t>
             </a:fld>
             <a:endParaRPr lang="en-US"/>
           </a:p>
@@ -1512,7 +1512,7 @@
           <a:p>
             <a:fld id="{3926AA01-1CCA-4B0B-87E8-B3C01B2A8272}" type="datetimeFigureOut">
               <a:rPr lang="en-US" smtClean="0"/>
-              <a:t>9/17/2020</a:t>
+              <a:t>9/21/2020</a:t>
             </a:fld>
             <a:endParaRPr lang="en-US"/>
           </a:p>
@@ -1710,7 +1710,7 @@
           <a:p>
             <a:fld id="{3926AA01-1CCA-4B0B-87E8-B3C01B2A8272}" type="datetimeFigureOut">
               <a:rPr lang="en-US" smtClean="0"/>
-              <a:t>9/17/2020</a:t>
+              <a:t>9/21/2020</a:t>
             </a:fld>
             <a:endParaRPr lang="en-US"/>
           </a:p>
@@ -1918,7 +1918,7 @@
           <a:p>
             <a:fld id="{3926AA01-1CCA-4B0B-87E8-B3C01B2A8272}" type="datetimeFigureOut">
               <a:rPr lang="en-US" smtClean="0"/>
-              <a:t>9/17/2020</a:t>
+              <a:t>9/21/2020</a:t>
             </a:fld>
             <a:endParaRPr lang="en-US"/>
           </a:p>
@@ -2116,7 +2116,7 @@
           <a:p>
             <a:fld id="{3926AA01-1CCA-4B0B-87E8-B3C01B2A8272}" type="datetimeFigureOut">
               <a:rPr lang="en-US" smtClean="0"/>
-              <a:t>9/17/2020</a:t>
+              <a:t>9/21/2020</a:t>
             </a:fld>
             <a:endParaRPr lang="en-US"/>
           </a:p>
@@ -2391,7 +2391,7 @@
           <a:p>
             <a:fld id="{3926AA01-1CCA-4B0B-87E8-B3C01B2A8272}" type="datetimeFigureOut">
               <a:rPr lang="en-US" smtClean="0"/>
-              <a:t>9/17/2020</a:t>
+              <a:t>9/21/2020</a:t>
             </a:fld>
             <a:endParaRPr lang="en-US"/>
           </a:p>
@@ -2656,7 +2656,7 @@
           <a:p>
             <a:fld id="{3926AA01-1CCA-4B0B-87E8-B3C01B2A8272}" type="datetimeFigureOut">
               <a:rPr lang="en-US" smtClean="0"/>
-              <a:t>9/17/2020</a:t>
+              <a:t>9/21/2020</a:t>
             </a:fld>
             <a:endParaRPr lang="en-US"/>
           </a:p>
@@ -3068,7 +3068,7 @@
           <a:p>
             <a:fld id="{3926AA01-1CCA-4B0B-87E8-B3C01B2A8272}" type="datetimeFigureOut">
               <a:rPr lang="en-US" smtClean="0"/>
-              <a:t>9/17/2020</a:t>
+              <a:t>9/21/2020</a:t>
             </a:fld>
             <a:endParaRPr lang="en-US"/>
           </a:p>
@@ -3209,7 +3209,7 @@
           <a:p>
             <a:fld id="{3926AA01-1CCA-4B0B-87E8-B3C01B2A8272}" type="datetimeFigureOut">
               <a:rPr lang="en-US" smtClean="0"/>
-              <a:t>9/17/2020</a:t>
+              <a:t>9/21/2020</a:t>
             </a:fld>
             <a:endParaRPr lang="en-US"/>
           </a:p>
@@ -3322,7 +3322,7 @@
           <a:p>
             <a:fld id="{3926AA01-1CCA-4B0B-87E8-B3C01B2A8272}" type="datetimeFigureOut">
               <a:rPr lang="en-US" smtClean="0"/>
-              <a:t>9/17/2020</a:t>
+              <a:t>9/21/2020</a:t>
             </a:fld>
             <a:endParaRPr lang="en-US"/>
           </a:p>
@@ -3633,7 +3633,7 @@
           <a:p>
             <a:fld id="{3926AA01-1CCA-4B0B-87E8-B3C01B2A8272}" type="datetimeFigureOut">
               <a:rPr lang="en-US" smtClean="0"/>
-              <a:t>9/17/2020</a:t>
+              <a:t>9/21/2020</a:t>
             </a:fld>
             <a:endParaRPr lang="en-US"/>
           </a:p>
@@ -3921,7 +3921,7 @@
           <a:p>
             <a:fld id="{3926AA01-1CCA-4B0B-87E8-B3C01B2A8272}" type="datetimeFigureOut">
               <a:rPr lang="en-US" smtClean="0"/>
-              <a:t>9/17/2020</a:t>
+              <a:t>9/21/2020</a:t>
             </a:fld>
             <a:endParaRPr lang="en-US"/>
           </a:p>
@@ -4162,7 +4162,7 @@
           <a:p>
             <a:fld id="{3926AA01-1CCA-4B0B-87E8-B3C01B2A8272}" type="datetimeFigureOut">
               <a:rPr lang="en-US" smtClean="0"/>
-              <a:t>9/17/2020</a:t>
+              <a:t>9/21/2020</a:t>
             </a:fld>
             <a:endParaRPr lang="en-US"/>
           </a:p>
@@ -4601,12 +4601,12 @@
           <a:lstStyle/>
           <a:p>
             <a:r>
-              <a:rPr lang="en-US"/>
-              <a:t>XGBClassifier </a:t>
+              <a:rPr lang="en-US" dirty="0" err="1"/>
+              <a:t>XGBClassifier</a:t>
             </a:r>
             <a:r>
               <a:rPr lang="en-US" dirty="0"/>
-              <a:t>Most Favorable for Breast Cancer Diagnosis</a:t>
+              <a:t> Most Favorable for Breast Cancer Diagnosis</a:t>
             </a:r>
           </a:p>
         </p:txBody>
@@ -4866,7 +4866,7 @@
           <a:p>
             <a:r>
               <a:rPr lang="en-US" dirty="0"/>
-              <a:t>K Nearest Neighbors (KNN): Good accuracy, poor recall</a:t>
+              <a:t>Random Forest: good accuracy, bad recall</a:t>
             </a:r>
           </a:p>
         </p:txBody>
@@ -4894,7 +4894,7 @@
           <a:p>
             <a:r>
               <a:rPr lang="en-US" dirty="0"/>
-              <a:t>Accuracy: 96%</a:t>
+              <a:t>AUPRC: 0.9395</a:t>
             </a:r>
           </a:p>
           <a:p>
@@ -4903,7 +4903,7 @@
           <a:p>
             <a:r>
               <a:rPr lang="en-US" dirty="0"/>
-              <a:t>Recall: 91%</a:t>
+              <a:t>Recall: 88%</a:t>
             </a:r>
           </a:p>
         </p:txBody>
@@ -4923,7 +4923,7 @@
           <p:nvPr>
             <p:extLst>
               <p:ext uri="{D42A27DB-BD31-4B8C-83A1-F6EECF244321}">
-                <p14:modId xmlns:p14="http://schemas.microsoft.com/office/powerpoint/2010/main" val="1601462884"/>
+                <p14:modId xmlns:p14="http://schemas.microsoft.com/office/powerpoint/2010/main" val="3681055353"/>
               </p:ext>
             </p:extLst>
           </p:nvPr>
@@ -5117,7 +5117,7 @@
                       <a:pPr algn="ctr"/>
                       <a:r>
                         <a:rPr lang="en-US" sz="2400" dirty="0"/>
-                        <a:t>4</a:t>
+                        <a:t>5</a:t>
                       </a:r>
                     </a:p>
                   </a:txBody>
@@ -5131,7 +5131,7 @@
                       <a:pPr algn="ctr"/>
                       <a:r>
                         <a:rPr lang="en-US" sz="2400" dirty="0"/>
-                        <a:t>38</a:t>
+                        <a:t>37</a:t>
                       </a:r>
                     </a:p>
                   </a:txBody>
@@ -5199,27 +5199,29 @@
           <a:lstStyle/>
           <a:p>
             <a:r>
+              <a:rPr lang="en-US" dirty="0" err="1"/>
+              <a:t>RandomForest</a:t>
+            </a:r>
+            <a:r>
               <a:rPr lang="en-US" dirty="0"/>
-              <a:t>KNN can still be useful </a:t>
+              <a:t> can still be useful </a:t>
             </a:r>
           </a:p>
         </p:txBody>
       </p:sp>
       <p:pic>
         <p:nvPicPr>
-          <p:cNvPr id="3074" name="Picture 2">
-            <a:extLst>
-              <a:ext uri="{FF2B5EF4-FFF2-40B4-BE49-F238E27FC236}">
-                <a16:creationId xmlns:a16="http://schemas.microsoft.com/office/drawing/2014/main" id="{722643C2-B2E8-4DC6-B9D4-16FCF5A0CD2F}"/>
+          <p:cNvPr id="1029" name="Picture 5">
+            <a:extLst>
+              <a:ext uri="{FF2B5EF4-FFF2-40B4-BE49-F238E27FC236}">
+                <a16:creationId xmlns:a16="http://schemas.microsoft.com/office/drawing/2014/main" id="{1C1697C8-06EE-4DA2-A0F0-8AD291B5B625}"/>
               </a:ext>
             </a:extLst>
           </p:cNvPr>
           <p:cNvPicPr>
-            <a:picLocks noGrp="1" noChangeAspect="1" noChangeArrowheads="1"/>
+            <a:picLocks noChangeAspect="1" noChangeArrowheads="1"/>
           </p:cNvPicPr>
-          <p:nvPr>
-            <p:ph idx="1"/>
-          </p:nvPr>
+          <p:nvPr/>
         </p:nvPicPr>
         <p:blipFill>
           <a:blip r:embed="rId2">
@@ -5236,8 +5238,8 @@
         </p:blipFill>
         <p:spPr bwMode="auto">
           <a:xfrm>
-            <a:off x="6096000" y="2217836"/>
-            <a:ext cx="4786521" cy="3447288"/>
+            <a:off x="6096000" y="2272754"/>
+            <a:ext cx="4786522" cy="3447288"/>
           </a:xfrm>
           <a:prstGeom prst="rect">
             <a:avLst/>
@@ -5256,10 +5258,10 @@
       </p:pic>
       <p:pic>
         <p:nvPicPr>
-          <p:cNvPr id="3076" name="Picture 4">
-            <a:extLst>
-              <a:ext uri="{FF2B5EF4-FFF2-40B4-BE49-F238E27FC236}">
-                <a16:creationId xmlns:a16="http://schemas.microsoft.com/office/drawing/2014/main" id="{4B702227-D1CE-474C-A339-85D810C2BC64}"/>
+          <p:cNvPr id="1031" name="Picture 7">
+            <a:extLst>
+              <a:ext uri="{FF2B5EF4-FFF2-40B4-BE49-F238E27FC236}">
+                <a16:creationId xmlns:a16="http://schemas.microsoft.com/office/drawing/2014/main" id="{ABBE2D7B-DEDC-45FE-807F-A08B825D7810}"/>
               </a:ext>
             </a:extLst>
           </p:cNvPr>
@@ -5276,13 +5278,14 @@
               </a:ext>
             </a:extLst>
           </a:blip>
+          <a:srcRect/>
           <a:stretch>
             <a:fillRect/>
           </a:stretch>
         </p:blipFill>
         <p:spPr bwMode="auto">
           <a:xfrm>
-            <a:off x="1309479" y="1948088"/>
+            <a:off x="1309478" y="2003006"/>
             <a:ext cx="3976482" cy="3986784"/>
           </a:xfrm>
           <a:prstGeom prst="rect">
@@ -7041,8 +7044,12 @@
           <a:p>
             <a:pPr algn="ctr"/>
             <a:r>
+              <a:rPr lang="en-US" sz="4000" dirty="0" err="1"/>
+              <a:t>LogisticReg</a:t>
+            </a:r>
+            <a:r>
               <a:rPr lang="en-US" sz="4000" dirty="0"/>
-              <a:t>Logistic Reg.</a:t>
+              <a:t>.</a:t>
             </a:r>
             <a:endParaRPr lang="en-US" sz="2800" dirty="0"/>
           </a:p>
@@ -7204,7 +7211,7 @@
         <p:spPr>
           <a:xfrm>
             <a:off x="7842421" y="3898242"/>
-            <a:ext cx="3071674" cy="707886"/>
+            <a:ext cx="3210590" cy="707886"/>
           </a:xfrm>
           <a:prstGeom prst="rect">
             <a:avLst/>
@@ -7232,8 +7239,8 @@
           <a:p>
             <a:pPr algn="ctr"/>
             <a:r>
-              <a:rPr lang="en-US" sz="4000" dirty="0"/>
-              <a:t>KNN</a:t>
+              <a:rPr lang="en-US" sz="4000" dirty="0" err="1"/>
+              <a:t>RandomForest</a:t>
             </a:r>
             <a:endParaRPr lang="en-US" sz="2800" dirty="0"/>
           </a:p>
@@ -8584,7 +8591,7 @@
           <a:p>
             <a:r>
               <a:rPr lang="en-US" dirty="0"/>
-              <a:t>Accuracy: 95%</a:t>
+              <a:t>AUPRC: 0.9699</a:t>
             </a:r>
           </a:p>
           <a:p>
@@ -8593,7 +8600,7 @@
           <a:p>
             <a:r>
               <a:rPr lang="en-US" dirty="0"/>
-              <a:t>Recall: 96%</a:t>
+              <a:t>Recall: 90%</a:t>
             </a:r>
           </a:p>
         </p:txBody>
@@ -8613,7 +8620,7 @@
           <p:nvPr>
             <p:extLst>
               <p:ext uri="{D42A27DB-BD31-4B8C-83A1-F6EECF244321}">
-                <p14:modId xmlns:p14="http://schemas.microsoft.com/office/powerpoint/2010/main" val="2358012568"/>
+                <p14:modId xmlns:p14="http://schemas.microsoft.com/office/powerpoint/2010/main" val="3462418621"/>
               </p:ext>
             </p:extLst>
           </p:nvPr>
@@ -8807,7 +8814,7 @@
                       <a:pPr algn="ctr"/>
                       <a:r>
                         <a:rPr lang="en-US" sz="2400" dirty="0"/>
-                        <a:t>2</a:t>
+                        <a:t>4</a:t>
                       </a:r>
                     </a:p>
                   </a:txBody>
@@ -8821,7 +8828,7 @@
                       <a:pPr algn="ctr"/>
                       <a:r>
                         <a:rPr lang="en-US" sz="2400" dirty="0"/>
-                        <a:t>40</a:t>
+                        <a:t>38</a:t>
                       </a:r>
                     </a:p>
                   </a:txBody>
@@ -9073,7 +9080,7 @@
           <a:p>
             <a:r>
               <a:rPr lang="en-US" dirty="0"/>
-              <a:t>Accuracy: 96%</a:t>
+              <a:t>AUPRC: 0.9466</a:t>
             </a:r>
           </a:p>
           <a:p>
